--- a/make_presentation/templates/templates/minima/2.pptx
+++ b/make_presentation/templates/templates/minima/2.pptx
@@ -7,7 +7,7 @@
   <p:sldIdLst>
     <p:sldId id="256" r:id="rId3"/>
   </p:sldIdLst>
-  <p:sldSz cx="12192000" cy="6858000"/>
+  <p:sldSz cx="9144000" cy="5148263"/>
   <p:notesSz cx="7559675" cy="10691813"/>
 </p:presentation>
 </file>
@@ -36,7 +36,7 @@
             <a:spLocks noGrp="1"/>
           </p:cNvSpPr>
           <p:nvPr>
-            <p:ph type="ftr" idx="2"/>
+            <p:ph type="ftr" idx="1"/>
           </p:nvPr>
         </p:nvSpPr>
         <p:spPr/>
@@ -56,14 +56,14 @@
             <a:spLocks noGrp="1"/>
           </p:cNvSpPr>
           <p:nvPr>
-            <p:ph type="sldNum" idx="3"/>
+            <p:ph type="sldNum" idx="2"/>
           </p:nvPr>
         </p:nvSpPr>
         <p:spPr/>
         <p:txBody>
           <a:bodyPr/>
           <a:p>
-            <a:fld id="{E5188459-134A-477F-8057-BB60B7A7DD74}" type="slidenum">
+            <a:fld id="{20CB906B-4985-434F-AD18-AA5084A38A03}" type="slidenum">
               <a:t>&lt;#&gt;</a:t>
             </a:fld>
           </a:p>
@@ -76,7 +76,7 @@
             <a:spLocks noGrp="1"/>
           </p:cNvSpPr>
           <p:nvPr>
-            <p:ph type="dt" idx="1"/>
+            <p:ph type="dt" idx="3"/>
           </p:nvPr>
         </p:nvSpPr>
         <p:spPr/>
@@ -124,8 +124,8 @@
         </p:nvSpPr>
         <p:spPr>
           <a:xfrm>
-            <a:off x="609480" y="273600"/>
-            <a:ext cx="10972440" cy="1144800"/>
+            <a:off x="457200" y="205200"/>
+            <a:ext cx="8229240" cy="859320"/>
           </a:xfrm>
           <a:prstGeom prst="rect">
             <a:avLst/>
@@ -144,7 +144,7 @@
               <a:solidFill>
                 <a:srgbClr val="000000"/>
               </a:solidFill>
-              <a:latin typeface="Calibri"/>
+              <a:latin typeface="Arial"/>
             </a:endParaRPr>
           </a:p>
         </p:txBody>
@@ -161,8 +161,8 @@
         </p:nvSpPr>
         <p:spPr>
           <a:xfrm>
-            <a:off x="609480" y="1604520"/>
-            <a:ext cx="10972440" cy="1896840"/>
+            <a:off x="457200" y="1204560"/>
+            <a:ext cx="8229240" cy="1423800"/>
           </a:xfrm>
           <a:prstGeom prst="rect">
             <a:avLst/>
@@ -190,7 +190,7 @@
               <a:solidFill>
                 <a:srgbClr val="000000"/>
               </a:solidFill>
-              <a:latin typeface="Calibri"/>
+              <a:latin typeface="Arial"/>
             </a:endParaRPr>
           </a:p>
         </p:txBody>
@@ -207,8 +207,8 @@
         </p:nvSpPr>
         <p:spPr>
           <a:xfrm>
-            <a:off x="609480" y="3682080"/>
-            <a:ext cx="10972440" cy="1896840"/>
+            <a:off x="457200" y="2764080"/>
+            <a:ext cx="8229240" cy="1423800"/>
           </a:xfrm>
           <a:prstGeom prst="rect">
             <a:avLst/>
@@ -236,7 +236,7 @@
               <a:solidFill>
                 <a:srgbClr val="000000"/>
               </a:solidFill>
-              <a:latin typeface="Calibri"/>
+              <a:latin typeface="Arial"/>
             </a:endParaRPr>
           </a:p>
         </p:txBody>
@@ -248,7 +248,7 @@
             <a:spLocks noGrp="1"/>
           </p:cNvSpPr>
           <p:nvPr>
-            <p:ph type="ftr" idx="2"/>
+            <p:ph type="ftr" idx="1"/>
           </p:nvPr>
         </p:nvSpPr>
         <p:spPr/>
@@ -268,14 +268,14 @@
             <a:spLocks noGrp="1"/>
           </p:cNvSpPr>
           <p:nvPr>
-            <p:ph type="sldNum" idx="3"/>
+            <p:ph type="sldNum" idx="2"/>
           </p:nvPr>
         </p:nvSpPr>
         <p:spPr/>
         <p:txBody>
           <a:bodyPr/>
           <a:p>
-            <a:fld id="{6F4F294E-41F4-405A-B8DB-85FDEFD8A628}" type="slidenum">
+            <a:fld id="{8EDB6D65-5493-4956-9030-F6C03A31EBDD}" type="slidenum">
               <a:t>&lt;#&gt;</a:t>
             </a:fld>
           </a:p>
@@ -288,7 +288,7 @@
             <a:spLocks noGrp="1"/>
           </p:cNvSpPr>
           <p:nvPr>
-            <p:ph type="dt" idx="1"/>
+            <p:ph type="dt" idx="3"/>
           </p:nvPr>
         </p:nvSpPr>
         <p:spPr/>
@@ -336,8 +336,8 @@
         </p:nvSpPr>
         <p:spPr>
           <a:xfrm>
-            <a:off x="609480" y="273600"/>
-            <a:ext cx="10972440" cy="1144800"/>
+            <a:off x="457200" y="205200"/>
+            <a:ext cx="8229240" cy="859320"/>
           </a:xfrm>
           <a:prstGeom prst="rect">
             <a:avLst/>
@@ -356,7 +356,7 @@
               <a:solidFill>
                 <a:srgbClr val="000000"/>
               </a:solidFill>
-              <a:latin typeface="Calibri"/>
+              <a:latin typeface="Arial"/>
             </a:endParaRPr>
           </a:p>
         </p:txBody>
@@ -373,8 +373,8 @@
         </p:nvSpPr>
         <p:spPr>
           <a:xfrm>
-            <a:off x="609480" y="1604520"/>
-            <a:ext cx="5354280" cy="1896840"/>
+            <a:off x="457200" y="1204560"/>
+            <a:ext cx="4015800" cy="1423800"/>
           </a:xfrm>
           <a:prstGeom prst="rect">
             <a:avLst/>
@@ -402,7 +402,7 @@
               <a:solidFill>
                 <a:srgbClr val="000000"/>
               </a:solidFill>
-              <a:latin typeface="Calibri"/>
+              <a:latin typeface="Arial"/>
             </a:endParaRPr>
           </a:p>
         </p:txBody>
@@ -419,8 +419,8 @@
         </p:nvSpPr>
         <p:spPr>
           <a:xfrm>
-            <a:off x="6231960" y="1604520"/>
-            <a:ext cx="5354280" cy="1896840"/>
+            <a:off x="4674240" y="1204560"/>
+            <a:ext cx="4015800" cy="1423800"/>
           </a:xfrm>
           <a:prstGeom prst="rect">
             <a:avLst/>
@@ -448,7 +448,7 @@
               <a:solidFill>
                 <a:srgbClr val="000000"/>
               </a:solidFill>
-              <a:latin typeface="Calibri"/>
+              <a:latin typeface="Arial"/>
             </a:endParaRPr>
           </a:p>
         </p:txBody>
@@ -465,8 +465,8 @@
         </p:nvSpPr>
         <p:spPr>
           <a:xfrm>
-            <a:off x="609480" y="3682080"/>
-            <a:ext cx="5354280" cy="1896840"/>
+            <a:off x="457200" y="2764080"/>
+            <a:ext cx="4015800" cy="1423800"/>
           </a:xfrm>
           <a:prstGeom prst="rect">
             <a:avLst/>
@@ -494,7 +494,7 @@
               <a:solidFill>
                 <a:srgbClr val="000000"/>
               </a:solidFill>
-              <a:latin typeface="Calibri"/>
+              <a:latin typeface="Arial"/>
             </a:endParaRPr>
           </a:p>
         </p:txBody>
@@ -511,8 +511,8 @@
         </p:nvSpPr>
         <p:spPr>
           <a:xfrm>
-            <a:off x="6231960" y="3682080"/>
-            <a:ext cx="5354280" cy="1896840"/>
+            <a:off x="4674240" y="2764080"/>
+            <a:ext cx="4015800" cy="1423800"/>
           </a:xfrm>
           <a:prstGeom prst="rect">
             <a:avLst/>
@@ -540,7 +540,7 @@
               <a:solidFill>
                 <a:srgbClr val="000000"/>
               </a:solidFill>
-              <a:latin typeface="Calibri"/>
+              <a:latin typeface="Arial"/>
             </a:endParaRPr>
           </a:p>
         </p:txBody>
@@ -552,7 +552,7 @@
             <a:spLocks noGrp="1"/>
           </p:cNvSpPr>
           <p:nvPr>
-            <p:ph type="ftr" idx="2"/>
+            <p:ph type="ftr" idx="1"/>
           </p:nvPr>
         </p:nvSpPr>
         <p:spPr/>
@@ -572,14 +572,14 @@
             <a:spLocks noGrp="1"/>
           </p:cNvSpPr>
           <p:nvPr>
-            <p:ph type="sldNum" idx="3"/>
+            <p:ph type="sldNum" idx="2"/>
           </p:nvPr>
         </p:nvSpPr>
         <p:spPr/>
         <p:txBody>
           <a:bodyPr/>
           <a:p>
-            <a:fld id="{917E8F5A-E59D-4850-9F4F-8BF0C7726DB9}" type="slidenum">
+            <a:fld id="{92DA10A5-CD51-4F32-85B0-1B5E0E2EEDC6}" type="slidenum">
               <a:t>&lt;#&gt;</a:t>
             </a:fld>
           </a:p>
@@ -592,7 +592,7 @@
             <a:spLocks noGrp="1"/>
           </p:cNvSpPr>
           <p:nvPr>
-            <p:ph type="dt" idx="1"/>
+            <p:ph type="dt" idx="3"/>
           </p:nvPr>
         </p:nvSpPr>
         <p:spPr/>
@@ -640,8 +640,8 @@
         </p:nvSpPr>
         <p:spPr>
           <a:xfrm>
-            <a:off x="609480" y="273600"/>
-            <a:ext cx="10972440" cy="1144800"/>
+            <a:off x="457200" y="205200"/>
+            <a:ext cx="8229240" cy="859320"/>
           </a:xfrm>
           <a:prstGeom prst="rect">
             <a:avLst/>
@@ -660,7 +660,7 @@
               <a:solidFill>
                 <a:srgbClr val="000000"/>
               </a:solidFill>
-              <a:latin typeface="Calibri"/>
+              <a:latin typeface="Arial"/>
             </a:endParaRPr>
           </a:p>
         </p:txBody>
@@ -677,8 +677,8 @@
         </p:nvSpPr>
         <p:spPr>
           <a:xfrm>
-            <a:off x="609480" y="1604520"/>
-            <a:ext cx="3533040" cy="1896840"/>
+            <a:off x="457200" y="1204560"/>
+            <a:ext cx="2649600" cy="1423800"/>
           </a:xfrm>
           <a:prstGeom prst="rect">
             <a:avLst/>
@@ -706,7 +706,7 @@
               <a:solidFill>
                 <a:srgbClr val="000000"/>
               </a:solidFill>
-              <a:latin typeface="Calibri"/>
+              <a:latin typeface="Arial"/>
             </a:endParaRPr>
           </a:p>
         </p:txBody>
@@ -723,8 +723,8 @@
         </p:nvSpPr>
         <p:spPr>
           <a:xfrm>
-            <a:off x="4319640" y="1604520"/>
-            <a:ext cx="3533040" cy="1896840"/>
+            <a:off x="3239640" y="1204560"/>
+            <a:ext cx="2649600" cy="1423800"/>
           </a:xfrm>
           <a:prstGeom prst="rect">
             <a:avLst/>
@@ -752,7 +752,7 @@
               <a:solidFill>
                 <a:srgbClr val="000000"/>
               </a:solidFill>
-              <a:latin typeface="Calibri"/>
+              <a:latin typeface="Arial"/>
             </a:endParaRPr>
           </a:p>
         </p:txBody>
@@ -769,8 +769,8 @@
         </p:nvSpPr>
         <p:spPr>
           <a:xfrm>
-            <a:off x="8029800" y="1604520"/>
-            <a:ext cx="3533040" cy="1896840"/>
+            <a:off x="6022080" y="1204560"/>
+            <a:ext cx="2649600" cy="1423800"/>
           </a:xfrm>
           <a:prstGeom prst="rect">
             <a:avLst/>
@@ -798,7 +798,7 @@
               <a:solidFill>
                 <a:srgbClr val="000000"/>
               </a:solidFill>
-              <a:latin typeface="Calibri"/>
+              <a:latin typeface="Arial"/>
             </a:endParaRPr>
           </a:p>
         </p:txBody>
@@ -815,8 +815,8 @@
         </p:nvSpPr>
         <p:spPr>
           <a:xfrm>
-            <a:off x="609480" y="3682080"/>
-            <a:ext cx="3533040" cy="1896840"/>
+            <a:off x="457200" y="2764080"/>
+            <a:ext cx="2649600" cy="1423800"/>
           </a:xfrm>
           <a:prstGeom prst="rect">
             <a:avLst/>
@@ -844,7 +844,7 @@
               <a:solidFill>
                 <a:srgbClr val="000000"/>
               </a:solidFill>
-              <a:latin typeface="Calibri"/>
+              <a:latin typeface="Arial"/>
             </a:endParaRPr>
           </a:p>
         </p:txBody>
@@ -861,8 +861,8 @@
         </p:nvSpPr>
         <p:spPr>
           <a:xfrm>
-            <a:off x="4319640" y="3682080"/>
-            <a:ext cx="3533040" cy="1896840"/>
+            <a:off x="3239640" y="2764080"/>
+            <a:ext cx="2649600" cy="1423800"/>
           </a:xfrm>
           <a:prstGeom prst="rect">
             <a:avLst/>
@@ -890,7 +890,7 @@
               <a:solidFill>
                 <a:srgbClr val="000000"/>
               </a:solidFill>
-              <a:latin typeface="Calibri"/>
+              <a:latin typeface="Arial"/>
             </a:endParaRPr>
           </a:p>
         </p:txBody>
@@ -907,8 +907,8 @@
         </p:nvSpPr>
         <p:spPr>
           <a:xfrm>
-            <a:off x="8029800" y="3682080"/>
-            <a:ext cx="3533040" cy="1896840"/>
+            <a:off x="6022080" y="2764080"/>
+            <a:ext cx="2649600" cy="1423800"/>
           </a:xfrm>
           <a:prstGeom prst="rect">
             <a:avLst/>
@@ -936,7 +936,7 @@
               <a:solidFill>
                 <a:srgbClr val="000000"/>
               </a:solidFill>
-              <a:latin typeface="Calibri"/>
+              <a:latin typeface="Arial"/>
             </a:endParaRPr>
           </a:p>
         </p:txBody>
@@ -948,7 +948,7 @@
             <a:spLocks noGrp="1"/>
           </p:cNvSpPr>
           <p:nvPr>
-            <p:ph type="ftr" idx="2"/>
+            <p:ph type="ftr" idx="1"/>
           </p:nvPr>
         </p:nvSpPr>
         <p:spPr/>
@@ -968,14 +968,14 @@
             <a:spLocks noGrp="1"/>
           </p:cNvSpPr>
           <p:nvPr>
-            <p:ph type="sldNum" idx="3"/>
+            <p:ph type="sldNum" idx="2"/>
           </p:nvPr>
         </p:nvSpPr>
         <p:spPr/>
         <p:txBody>
           <a:bodyPr/>
           <a:p>
-            <a:fld id="{47D21596-04C9-48BD-9739-E724078FAFAB}" type="slidenum">
+            <a:fld id="{003CA579-ABB2-442C-B905-D670E0441420}" type="slidenum">
               <a:t>&lt;#&gt;</a:t>
             </a:fld>
           </a:p>
@@ -988,7 +988,7 @@
             <a:spLocks noGrp="1"/>
           </p:cNvSpPr>
           <p:nvPr>
-            <p:ph type="dt" idx="1"/>
+            <p:ph type="dt" idx="3"/>
           </p:nvPr>
         </p:nvSpPr>
         <p:spPr/>
@@ -1036,8 +1036,8 @@
         </p:nvSpPr>
         <p:spPr>
           <a:xfrm>
-            <a:off x="609480" y="273600"/>
-            <a:ext cx="10972440" cy="1144800"/>
+            <a:off x="457200" y="205200"/>
+            <a:ext cx="8229240" cy="859320"/>
           </a:xfrm>
           <a:prstGeom prst="rect">
             <a:avLst/>
@@ -1056,7 +1056,7 @@
               <a:solidFill>
                 <a:srgbClr val="000000"/>
               </a:solidFill>
-              <a:latin typeface="Calibri"/>
+              <a:latin typeface="Arial"/>
             </a:endParaRPr>
           </a:p>
         </p:txBody>
@@ -1073,8 +1073,8 @@
         </p:nvSpPr>
         <p:spPr>
           <a:xfrm>
-            <a:off x="609480" y="1604520"/>
-            <a:ext cx="10972440" cy="3977280"/>
+            <a:off x="457200" y="1204560"/>
+            <a:ext cx="8229240" cy="2985480"/>
           </a:xfrm>
           <a:prstGeom prst="rect">
             <a:avLst/>
@@ -1105,7 +1105,7 @@
             <a:spLocks noGrp="1"/>
           </p:cNvSpPr>
           <p:nvPr>
-            <p:ph type="ftr" idx="2"/>
+            <p:ph type="ftr" idx="1"/>
           </p:nvPr>
         </p:nvSpPr>
         <p:spPr/>
@@ -1125,14 +1125,14 @@
             <a:spLocks noGrp="1"/>
           </p:cNvSpPr>
           <p:nvPr>
-            <p:ph type="sldNum" idx="3"/>
+            <p:ph type="sldNum" idx="2"/>
           </p:nvPr>
         </p:nvSpPr>
         <p:spPr/>
         <p:txBody>
           <a:bodyPr/>
           <a:p>
-            <a:fld id="{E2012F9E-CE97-4484-9B3A-298E7681832A}" type="slidenum">
+            <a:fld id="{173D7F60-D595-447B-B74E-312F0D95069A}" type="slidenum">
               <a:t>&lt;#&gt;</a:t>
             </a:fld>
           </a:p>
@@ -1145,7 +1145,7 @@
             <a:spLocks noGrp="1"/>
           </p:cNvSpPr>
           <p:nvPr>
-            <p:ph type="dt" idx="1"/>
+            <p:ph type="dt" idx="3"/>
           </p:nvPr>
         </p:nvSpPr>
         <p:spPr/>
@@ -1193,8 +1193,8 @@
         </p:nvSpPr>
         <p:spPr>
           <a:xfrm>
-            <a:off x="609480" y="273600"/>
-            <a:ext cx="10972440" cy="1144800"/>
+            <a:off x="457200" y="205200"/>
+            <a:ext cx="8229240" cy="859320"/>
           </a:xfrm>
           <a:prstGeom prst="rect">
             <a:avLst/>
@@ -1213,7 +1213,7 @@
               <a:solidFill>
                 <a:srgbClr val="000000"/>
               </a:solidFill>
-              <a:latin typeface="Calibri"/>
+              <a:latin typeface="Arial"/>
             </a:endParaRPr>
           </a:p>
         </p:txBody>
@@ -1230,8 +1230,8 @@
         </p:nvSpPr>
         <p:spPr>
           <a:xfrm>
-            <a:off x="609480" y="1604520"/>
-            <a:ext cx="10972440" cy="3977280"/>
+            <a:off x="457200" y="1204560"/>
+            <a:ext cx="8229240" cy="2985480"/>
           </a:xfrm>
           <a:prstGeom prst="rect">
             <a:avLst/>
@@ -1259,7 +1259,7 @@
               <a:solidFill>
                 <a:srgbClr val="000000"/>
               </a:solidFill>
-              <a:latin typeface="Calibri"/>
+              <a:latin typeface="Arial"/>
             </a:endParaRPr>
           </a:p>
         </p:txBody>
@@ -1271,7 +1271,7 @@
             <a:spLocks noGrp="1"/>
           </p:cNvSpPr>
           <p:nvPr>
-            <p:ph type="ftr" idx="2"/>
+            <p:ph type="ftr" idx="1"/>
           </p:nvPr>
         </p:nvSpPr>
         <p:spPr/>
@@ -1291,14 +1291,14 @@
             <a:spLocks noGrp="1"/>
           </p:cNvSpPr>
           <p:nvPr>
-            <p:ph type="sldNum" idx="3"/>
+            <p:ph type="sldNum" idx="2"/>
           </p:nvPr>
         </p:nvSpPr>
         <p:spPr/>
         <p:txBody>
           <a:bodyPr/>
           <a:p>
-            <a:fld id="{3FD529A1-B140-494C-A8F2-B4BEC2176CFC}" type="slidenum">
+            <a:fld id="{3F7E42F7-D997-4102-9B0D-B3BD141D1941}" type="slidenum">
               <a:t>&lt;#&gt;</a:t>
             </a:fld>
           </a:p>
@@ -1311,7 +1311,7 @@
             <a:spLocks noGrp="1"/>
           </p:cNvSpPr>
           <p:nvPr>
-            <p:ph type="dt" idx="1"/>
+            <p:ph type="dt" idx="3"/>
           </p:nvPr>
         </p:nvSpPr>
         <p:spPr/>
@@ -1359,8 +1359,8 @@
         </p:nvSpPr>
         <p:spPr>
           <a:xfrm>
-            <a:off x="609480" y="273600"/>
-            <a:ext cx="10972440" cy="1144800"/>
+            <a:off x="457200" y="205200"/>
+            <a:ext cx="8229240" cy="859320"/>
           </a:xfrm>
           <a:prstGeom prst="rect">
             <a:avLst/>
@@ -1379,7 +1379,7 @@
               <a:solidFill>
                 <a:srgbClr val="000000"/>
               </a:solidFill>
-              <a:latin typeface="Calibri"/>
+              <a:latin typeface="Arial"/>
             </a:endParaRPr>
           </a:p>
         </p:txBody>
@@ -1396,8 +1396,8 @@
         </p:nvSpPr>
         <p:spPr>
           <a:xfrm>
-            <a:off x="609480" y="1604520"/>
-            <a:ext cx="5354280" cy="3977280"/>
+            <a:off x="457200" y="1204560"/>
+            <a:ext cx="4015800" cy="2985480"/>
           </a:xfrm>
           <a:prstGeom prst="rect">
             <a:avLst/>
@@ -1425,7 +1425,7 @@
               <a:solidFill>
                 <a:srgbClr val="000000"/>
               </a:solidFill>
-              <a:latin typeface="Calibri"/>
+              <a:latin typeface="Arial"/>
             </a:endParaRPr>
           </a:p>
         </p:txBody>
@@ -1442,8 +1442,8 @@
         </p:nvSpPr>
         <p:spPr>
           <a:xfrm>
-            <a:off x="6231960" y="1604520"/>
-            <a:ext cx="5354280" cy="3977280"/>
+            <a:off x="4674240" y="1204560"/>
+            <a:ext cx="4015800" cy="2985480"/>
           </a:xfrm>
           <a:prstGeom prst="rect">
             <a:avLst/>
@@ -1471,7 +1471,7 @@
               <a:solidFill>
                 <a:srgbClr val="000000"/>
               </a:solidFill>
-              <a:latin typeface="Calibri"/>
+              <a:latin typeface="Arial"/>
             </a:endParaRPr>
           </a:p>
         </p:txBody>
@@ -1483,7 +1483,7 @@
             <a:spLocks noGrp="1"/>
           </p:cNvSpPr>
           <p:nvPr>
-            <p:ph type="ftr" idx="2"/>
+            <p:ph type="ftr" idx="1"/>
           </p:nvPr>
         </p:nvSpPr>
         <p:spPr/>
@@ -1503,14 +1503,14 @@
             <a:spLocks noGrp="1"/>
           </p:cNvSpPr>
           <p:nvPr>
-            <p:ph type="sldNum" idx="3"/>
+            <p:ph type="sldNum" idx="2"/>
           </p:nvPr>
         </p:nvSpPr>
         <p:spPr/>
         <p:txBody>
           <a:bodyPr/>
           <a:p>
-            <a:fld id="{6AF08CFE-BACF-4543-98C3-9710FA750C21}" type="slidenum">
+            <a:fld id="{7A43F84F-7ED3-4719-BF4F-F96F6E91EEEA}" type="slidenum">
               <a:t>&lt;#&gt;</a:t>
             </a:fld>
           </a:p>
@@ -1523,7 +1523,7 @@
             <a:spLocks noGrp="1"/>
           </p:cNvSpPr>
           <p:nvPr>
-            <p:ph type="dt" idx="1"/>
+            <p:ph type="dt" idx="3"/>
           </p:nvPr>
         </p:nvSpPr>
         <p:spPr/>
@@ -1571,8 +1571,8 @@
         </p:nvSpPr>
         <p:spPr>
           <a:xfrm>
-            <a:off x="609480" y="273600"/>
-            <a:ext cx="10972440" cy="1144800"/>
+            <a:off x="457200" y="205200"/>
+            <a:ext cx="8229240" cy="859320"/>
           </a:xfrm>
           <a:prstGeom prst="rect">
             <a:avLst/>
@@ -1591,7 +1591,7 @@
               <a:solidFill>
                 <a:srgbClr val="000000"/>
               </a:solidFill>
-              <a:latin typeface="Calibri"/>
+              <a:latin typeface="Arial"/>
             </a:endParaRPr>
           </a:p>
         </p:txBody>
@@ -1603,7 +1603,7 @@
             <a:spLocks noGrp="1"/>
           </p:cNvSpPr>
           <p:nvPr>
-            <p:ph type="ftr" idx="2"/>
+            <p:ph type="ftr" idx="1"/>
           </p:nvPr>
         </p:nvSpPr>
         <p:spPr/>
@@ -1623,14 +1623,14 @@
             <a:spLocks noGrp="1"/>
           </p:cNvSpPr>
           <p:nvPr>
-            <p:ph type="sldNum" idx="3"/>
+            <p:ph type="sldNum" idx="2"/>
           </p:nvPr>
         </p:nvSpPr>
         <p:spPr/>
         <p:txBody>
           <a:bodyPr/>
           <a:p>
-            <a:fld id="{36D70A96-5D99-4FBF-B922-D713CF1542B5}" type="slidenum">
+            <a:fld id="{BC640C42-E76F-4914-A604-9A558CE73CC9}" type="slidenum">
               <a:t>&lt;#&gt;</a:t>
             </a:fld>
           </a:p>
@@ -1643,7 +1643,7 @@
             <a:spLocks noGrp="1"/>
           </p:cNvSpPr>
           <p:nvPr>
-            <p:ph type="dt" idx="1"/>
+            <p:ph type="dt" idx="3"/>
           </p:nvPr>
         </p:nvSpPr>
         <p:spPr/>
@@ -1691,8 +1691,8 @@
         </p:nvSpPr>
         <p:spPr>
           <a:xfrm>
-            <a:off x="609480" y="273600"/>
-            <a:ext cx="10972440" cy="5307840"/>
+            <a:off x="457200" y="205200"/>
+            <a:ext cx="8229240" cy="3984480"/>
           </a:xfrm>
           <a:prstGeom prst="rect">
             <a:avLst/>
@@ -1723,7 +1723,7 @@
             <a:spLocks noGrp="1"/>
           </p:cNvSpPr>
           <p:nvPr>
-            <p:ph type="ftr" idx="2"/>
+            <p:ph type="ftr" idx="1"/>
           </p:nvPr>
         </p:nvSpPr>
         <p:spPr/>
@@ -1743,14 +1743,14 @@
             <a:spLocks noGrp="1"/>
           </p:cNvSpPr>
           <p:nvPr>
-            <p:ph type="sldNum" idx="3"/>
+            <p:ph type="sldNum" idx="2"/>
           </p:nvPr>
         </p:nvSpPr>
         <p:spPr/>
         <p:txBody>
           <a:bodyPr/>
           <a:p>
-            <a:fld id="{CC0ABF08-237C-4616-8170-4EA6B2B96E38}" type="slidenum">
+            <a:fld id="{ED4C99D1-C2F8-4A9E-97CA-04919B872250}" type="slidenum">
               <a:t>&lt;#&gt;</a:t>
             </a:fld>
           </a:p>
@@ -1763,7 +1763,7 @@
             <a:spLocks noGrp="1"/>
           </p:cNvSpPr>
           <p:nvPr>
-            <p:ph type="dt" idx="1"/>
+            <p:ph type="dt" idx="3"/>
           </p:nvPr>
         </p:nvSpPr>
         <p:spPr/>
@@ -1811,8 +1811,8 @@
         </p:nvSpPr>
         <p:spPr>
           <a:xfrm>
-            <a:off x="609480" y="273600"/>
-            <a:ext cx="10972440" cy="1144800"/>
+            <a:off x="457200" y="205200"/>
+            <a:ext cx="8229240" cy="859320"/>
           </a:xfrm>
           <a:prstGeom prst="rect">
             <a:avLst/>
@@ -1831,7 +1831,7 @@
               <a:solidFill>
                 <a:srgbClr val="000000"/>
               </a:solidFill>
-              <a:latin typeface="Calibri"/>
+              <a:latin typeface="Arial"/>
             </a:endParaRPr>
           </a:p>
         </p:txBody>
@@ -1848,8 +1848,8 @@
         </p:nvSpPr>
         <p:spPr>
           <a:xfrm>
-            <a:off x="609480" y="1604520"/>
-            <a:ext cx="5354280" cy="1896840"/>
+            <a:off x="457200" y="1204560"/>
+            <a:ext cx="4015800" cy="1423800"/>
           </a:xfrm>
           <a:prstGeom prst="rect">
             <a:avLst/>
@@ -1877,7 +1877,7 @@
               <a:solidFill>
                 <a:srgbClr val="000000"/>
               </a:solidFill>
-              <a:latin typeface="Calibri"/>
+              <a:latin typeface="Arial"/>
             </a:endParaRPr>
           </a:p>
         </p:txBody>
@@ -1894,8 +1894,8 @@
         </p:nvSpPr>
         <p:spPr>
           <a:xfrm>
-            <a:off x="6231960" y="1604520"/>
-            <a:ext cx="5354280" cy="3977280"/>
+            <a:off x="4674240" y="1204560"/>
+            <a:ext cx="4015800" cy="2985480"/>
           </a:xfrm>
           <a:prstGeom prst="rect">
             <a:avLst/>
@@ -1923,7 +1923,7 @@
               <a:solidFill>
                 <a:srgbClr val="000000"/>
               </a:solidFill>
-              <a:latin typeface="Calibri"/>
+              <a:latin typeface="Arial"/>
             </a:endParaRPr>
           </a:p>
         </p:txBody>
@@ -1940,8 +1940,8 @@
         </p:nvSpPr>
         <p:spPr>
           <a:xfrm>
-            <a:off x="609480" y="3682080"/>
-            <a:ext cx="5354280" cy="1896840"/>
+            <a:off x="457200" y="2764080"/>
+            <a:ext cx="4015800" cy="1423800"/>
           </a:xfrm>
           <a:prstGeom prst="rect">
             <a:avLst/>
@@ -1969,7 +1969,7 @@
               <a:solidFill>
                 <a:srgbClr val="000000"/>
               </a:solidFill>
-              <a:latin typeface="Calibri"/>
+              <a:latin typeface="Arial"/>
             </a:endParaRPr>
           </a:p>
         </p:txBody>
@@ -1981,7 +1981,7 @@
             <a:spLocks noGrp="1"/>
           </p:cNvSpPr>
           <p:nvPr>
-            <p:ph type="ftr" idx="2"/>
+            <p:ph type="ftr" idx="1"/>
           </p:nvPr>
         </p:nvSpPr>
         <p:spPr/>
@@ -2001,14 +2001,14 @@
             <a:spLocks noGrp="1"/>
           </p:cNvSpPr>
           <p:nvPr>
-            <p:ph type="sldNum" idx="3"/>
+            <p:ph type="sldNum" idx="2"/>
           </p:nvPr>
         </p:nvSpPr>
         <p:spPr/>
         <p:txBody>
           <a:bodyPr/>
           <a:p>
-            <a:fld id="{18372086-7A98-4A51-944A-474F012F57D4}" type="slidenum">
+            <a:fld id="{22681D22-2EE4-4001-BD6C-CCB45566C092}" type="slidenum">
               <a:t>&lt;#&gt;</a:t>
             </a:fld>
           </a:p>
@@ -2021,7 +2021,7 @@
             <a:spLocks noGrp="1"/>
           </p:cNvSpPr>
           <p:nvPr>
-            <p:ph type="dt" idx="1"/>
+            <p:ph type="dt" idx="3"/>
           </p:nvPr>
         </p:nvSpPr>
         <p:spPr/>
@@ -2069,8 +2069,8 @@
         </p:nvSpPr>
         <p:spPr>
           <a:xfrm>
-            <a:off x="609480" y="273600"/>
-            <a:ext cx="10972440" cy="1144800"/>
+            <a:off x="457200" y="205200"/>
+            <a:ext cx="8229240" cy="859320"/>
           </a:xfrm>
           <a:prstGeom prst="rect">
             <a:avLst/>
@@ -2089,7 +2089,7 @@
               <a:solidFill>
                 <a:srgbClr val="000000"/>
               </a:solidFill>
-              <a:latin typeface="Calibri"/>
+              <a:latin typeface="Arial"/>
             </a:endParaRPr>
           </a:p>
         </p:txBody>
@@ -2106,8 +2106,8 @@
         </p:nvSpPr>
         <p:spPr>
           <a:xfrm>
-            <a:off x="609480" y="1604520"/>
-            <a:ext cx="5354280" cy="3977280"/>
+            <a:off x="457200" y="1204560"/>
+            <a:ext cx="4015800" cy="2985480"/>
           </a:xfrm>
           <a:prstGeom prst="rect">
             <a:avLst/>
@@ -2135,7 +2135,7 @@
               <a:solidFill>
                 <a:srgbClr val="000000"/>
               </a:solidFill>
-              <a:latin typeface="Calibri"/>
+              <a:latin typeface="Arial"/>
             </a:endParaRPr>
           </a:p>
         </p:txBody>
@@ -2152,8 +2152,8 @@
         </p:nvSpPr>
         <p:spPr>
           <a:xfrm>
-            <a:off x="6231960" y="1604520"/>
-            <a:ext cx="5354280" cy="1896840"/>
+            <a:off x="4674240" y="1204560"/>
+            <a:ext cx="4015800" cy="1423800"/>
           </a:xfrm>
           <a:prstGeom prst="rect">
             <a:avLst/>
@@ -2181,7 +2181,7 @@
               <a:solidFill>
                 <a:srgbClr val="000000"/>
               </a:solidFill>
-              <a:latin typeface="Calibri"/>
+              <a:latin typeface="Arial"/>
             </a:endParaRPr>
           </a:p>
         </p:txBody>
@@ -2198,8 +2198,8 @@
         </p:nvSpPr>
         <p:spPr>
           <a:xfrm>
-            <a:off x="6231960" y="3682080"/>
-            <a:ext cx="5354280" cy="1896840"/>
+            <a:off x="4674240" y="2764080"/>
+            <a:ext cx="4015800" cy="1423800"/>
           </a:xfrm>
           <a:prstGeom prst="rect">
             <a:avLst/>
@@ -2227,7 +2227,7 @@
               <a:solidFill>
                 <a:srgbClr val="000000"/>
               </a:solidFill>
-              <a:latin typeface="Calibri"/>
+              <a:latin typeface="Arial"/>
             </a:endParaRPr>
           </a:p>
         </p:txBody>
@@ -2239,7 +2239,7 @@
             <a:spLocks noGrp="1"/>
           </p:cNvSpPr>
           <p:nvPr>
-            <p:ph type="ftr" idx="2"/>
+            <p:ph type="ftr" idx="1"/>
           </p:nvPr>
         </p:nvSpPr>
         <p:spPr/>
@@ -2259,14 +2259,14 @@
             <a:spLocks noGrp="1"/>
           </p:cNvSpPr>
           <p:nvPr>
-            <p:ph type="sldNum" idx="3"/>
+            <p:ph type="sldNum" idx="2"/>
           </p:nvPr>
         </p:nvSpPr>
         <p:spPr/>
         <p:txBody>
           <a:bodyPr/>
           <a:p>
-            <a:fld id="{EDF2A6F3-794B-4262-9A3C-AE9CB5599C6E}" type="slidenum">
+            <a:fld id="{C8955AC6-8148-4A54-A61D-F5080383300B}" type="slidenum">
               <a:t>&lt;#&gt;</a:t>
             </a:fld>
           </a:p>
@@ -2279,7 +2279,7 @@
             <a:spLocks noGrp="1"/>
           </p:cNvSpPr>
           <p:nvPr>
-            <p:ph type="dt" idx="1"/>
+            <p:ph type="dt" idx="3"/>
           </p:nvPr>
         </p:nvSpPr>
         <p:spPr/>
@@ -2327,8 +2327,8 @@
         </p:nvSpPr>
         <p:spPr>
           <a:xfrm>
-            <a:off x="609480" y="273600"/>
-            <a:ext cx="10972440" cy="1144800"/>
+            <a:off x="457200" y="205200"/>
+            <a:ext cx="8229240" cy="859320"/>
           </a:xfrm>
           <a:prstGeom prst="rect">
             <a:avLst/>
@@ -2347,7 +2347,7 @@
               <a:solidFill>
                 <a:srgbClr val="000000"/>
               </a:solidFill>
-              <a:latin typeface="Calibri"/>
+              <a:latin typeface="Arial"/>
             </a:endParaRPr>
           </a:p>
         </p:txBody>
@@ -2364,8 +2364,8 @@
         </p:nvSpPr>
         <p:spPr>
           <a:xfrm>
-            <a:off x="609480" y="1604520"/>
-            <a:ext cx="5354280" cy="1896840"/>
+            <a:off x="457200" y="1204560"/>
+            <a:ext cx="4015800" cy="1423800"/>
           </a:xfrm>
           <a:prstGeom prst="rect">
             <a:avLst/>
@@ -2393,7 +2393,7 @@
               <a:solidFill>
                 <a:srgbClr val="000000"/>
               </a:solidFill>
-              <a:latin typeface="Calibri"/>
+              <a:latin typeface="Arial"/>
             </a:endParaRPr>
           </a:p>
         </p:txBody>
@@ -2410,8 +2410,8 @@
         </p:nvSpPr>
         <p:spPr>
           <a:xfrm>
-            <a:off x="6231960" y="1604520"/>
-            <a:ext cx="5354280" cy="1896840"/>
+            <a:off x="4674240" y="1204560"/>
+            <a:ext cx="4015800" cy="1423800"/>
           </a:xfrm>
           <a:prstGeom prst="rect">
             <a:avLst/>
@@ -2439,7 +2439,7 @@
               <a:solidFill>
                 <a:srgbClr val="000000"/>
               </a:solidFill>
-              <a:latin typeface="Calibri"/>
+              <a:latin typeface="Arial"/>
             </a:endParaRPr>
           </a:p>
         </p:txBody>
@@ -2456,8 +2456,8 @@
         </p:nvSpPr>
         <p:spPr>
           <a:xfrm>
-            <a:off x="609480" y="3682080"/>
-            <a:ext cx="10972440" cy="1896840"/>
+            <a:off x="457200" y="2764080"/>
+            <a:ext cx="8229240" cy="1423800"/>
           </a:xfrm>
           <a:prstGeom prst="rect">
             <a:avLst/>
@@ -2485,7 +2485,7 @@
               <a:solidFill>
                 <a:srgbClr val="000000"/>
               </a:solidFill>
-              <a:latin typeface="Calibri"/>
+              <a:latin typeface="Arial"/>
             </a:endParaRPr>
           </a:p>
         </p:txBody>
@@ -2497,7 +2497,7 @@
             <a:spLocks noGrp="1"/>
           </p:cNvSpPr>
           <p:nvPr>
-            <p:ph type="ftr" idx="2"/>
+            <p:ph type="ftr" idx="1"/>
           </p:nvPr>
         </p:nvSpPr>
         <p:spPr/>
@@ -2517,14 +2517,14 @@
             <a:spLocks noGrp="1"/>
           </p:cNvSpPr>
           <p:nvPr>
-            <p:ph type="sldNum" idx="3"/>
+            <p:ph type="sldNum" idx="2"/>
           </p:nvPr>
         </p:nvSpPr>
         <p:spPr/>
         <p:txBody>
           <a:bodyPr/>
           <a:p>
-            <a:fld id="{FAD2E5B5-5D2C-46FF-BBC7-978EFC6598F2}" type="slidenum">
+            <a:fld id="{F110A7D5-8992-4F07-B21D-B68CE3DF789E}" type="slidenum">
               <a:t>&lt;#&gt;</a:t>
             </a:fld>
           </a:p>
@@ -2537,7 +2537,7 @@
             <a:spLocks noGrp="1"/>
           </p:cNvSpPr>
           <p:nvPr>
-            <p:ph type="dt" idx="1"/>
+            <p:ph type="dt" idx="3"/>
           </p:nvPr>
         </p:nvSpPr>
         <p:spPr/>
@@ -2587,24 +2587,154 @@
             <a:spLocks noGrp="1"/>
           </p:cNvSpPr>
           <p:nvPr>
-            <p:ph type="dt" idx="1"/>
-          </p:nvPr>
-        </p:nvSpPr>
-        <p:spPr>
-          <a:xfrm>
-            <a:off x="838080" y="6356520"/>
-            <a:ext cx="2742840" cy="364680"/>
-          </a:xfrm>
-          <a:prstGeom prst="rect">
-            <a:avLst/>
-          </a:prstGeom>
-          <a:noFill/>
-          <a:ln w="0">
-            <a:noFill/>
-          </a:ln>
-        </p:spPr>
-        <p:txBody>
-          <a:bodyPr anchor="ctr">
+            <p:ph type="ftr" idx="1"/>
+          </p:nvPr>
+        </p:nvSpPr>
+        <p:spPr>
+          <a:xfrm>
+            <a:off x="3027960" y="4770720"/>
+            <a:ext cx="3085560" cy="273600"/>
+          </a:xfrm>
+          <a:prstGeom prst="rect">
+            <a:avLst/>
+          </a:prstGeom>
+          <a:noFill/>
+          <a:ln w="0">
+            <a:noFill/>
+          </a:ln>
+        </p:spPr>
+        <p:txBody>
+          <a:bodyPr lIns="90000" rIns="90000" tIns="45000" bIns="45000" anchor="ctr">
+            <a:noAutofit/>
+          </a:bodyPr>
+          <a:lstStyle>
+            <a:lvl1pPr algn="ctr">
+              <a:lnSpc>
+                <a:spcPct val="100000"/>
+              </a:lnSpc>
+              <a:buNone/>
+              <a:defRPr b="0" lang="en-US" sz="1400" spc="-1" strike="noStrike">
+                <a:solidFill>
+                  <a:srgbClr val="000000"/>
+                </a:solidFill>
+                <a:latin typeface="Times New Roman"/>
+                <a:ea typeface="DejaVu Sans"/>
+              </a:defRPr>
+            </a:lvl1pPr>
+          </a:lstStyle>
+          <a:p>
+            <a:pPr algn="ctr">
+              <a:lnSpc>
+                <a:spcPct val="100000"/>
+              </a:lnSpc>
+              <a:buNone/>
+            </a:pPr>
+            <a:r>
+              <a:rPr b="0" lang="en-US" sz="1400" spc="-1" strike="noStrike">
+                <a:solidFill>
+                  <a:srgbClr val="000000"/>
+                </a:solidFill>
+                <a:latin typeface="Times New Roman"/>
+                <a:ea typeface="DejaVu Sans"/>
+              </a:rPr>
+              <a:t>&lt;footer&gt;</a:t>
+            </a:r>
+            <a:endParaRPr b="0" lang="en-US" sz="1400" spc="-1" strike="noStrike">
+              <a:latin typeface="Times New Roman"/>
+            </a:endParaRPr>
+          </a:p>
+        </p:txBody>
+      </p:sp>
+      <p:sp>
+        <p:nvSpPr>
+          <p:cNvPr id="1" name="PlaceHolder 2"/>
+          <p:cNvSpPr>
+            <a:spLocks noGrp="1"/>
+          </p:cNvSpPr>
+          <p:nvPr>
+            <p:ph type="sldNum" idx="2"/>
+          </p:nvPr>
+        </p:nvSpPr>
+        <p:spPr>
+          <a:xfrm>
+            <a:off x="6456960" y="4770720"/>
+            <a:ext cx="2056680" cy="273600"/>
+          </a:xfrm>
+          <a:prstGeom prst="rect">
+            <a:avLst/>
+          </a:prstGeom>
+          <a:noFill/>
+          <a:ln w="0">
+            <a:noFill/>
+          </a:ln>
+        </p:spPr>
+        <p:txBody>
+          <a:bodyPr lIns="90000" rIns="90000" tIns="45000" bIns="45000" anchor="ctr">
+            <a:noAutofit/>
+          </a:bodyPr>
+          <a:lstStyle>
+            <a:lvl1pPr algn="r">
+              <a:lnSpc>
+                <a:spcPct val="100000"/>
+              </a:lnSpc>
+              <a:buNone/>
+              <a:defRPr b="0" lang="ru-RU" sz="1200" spc="-1" strike="noStrike">
+                <a:solidFill>
+                  <a:srgbClr val="8b8b8b"/>
+                </a:solidFill>
+                <a:latin typeface="Calibri"/>
+                <a:ea typeface="DejaVu Sans"/>
+              </a:defRPr>
+            </a:lvl1pPr>
+          </a:lstStyle>
+          <a:p>
+            <a:pPr algn="r">
+              <a:lnSpc>
+                <a:spcPct val="100000"/>
+              </a:lnSpc>
+              <a:buNone/>
+            </a:pPr>
+            <a:fld id="{BC483937-535F-4644-A684-548E8185AF03}" type="slidenum">
+              <a:rPr b="0" lang="ru-RU" sz="1200" spc="-1" strike="noStrike">
+                <a:solidFill>
+                  <a:srgbClr val="8b8b8b"/>
+                </a:solidFill>
+                <a:latin typeface="Calibri"/>
+                <a:ea typeface="DejaVu Sans"/>
+              </a:rPr>
+              <a:t>&lt;number&gt;</a:t>
+            </a:fld>
+            <a:endParaRPr b="0" lang="en-US" sz="1200" spc="-1" strike="noStrike">
+              <a:latin typeface="Times New Roman"/>
+            </a:endParaRPr>
+          </a:p>
+        </p:txBody>
+      </p:sp>
+      <p:sp>
+        <p:nvSpPr>
+          <p:cNvPr id="2" name="PlaceHolder 3"/>
+          <p:cNvSpPr>
+            <a:spLocks noGrp="1"/>
+          </p:cNvSpPr>
+          <p:nvPr>
+            <p:ph type="dt" idx="3"/>
+          </p:nvPr>
+        </p:nvSpPr>
+        <p:spPr>
+          <a:xfrm>
+            <a:off x="627840" y="4770720"/>
+            <a:ext cx="2056680" cy="273600"/>
+          </a:xfrm>
+          <a:prstGeom prst="rect">
+            <a:avLst/>
+          </a:prstGeom>
+          <a:noFill/>
+          <a:ln w="0">
+            <a:noFill/>
+          </a:ln>
+        </p:spPr>
+        <p:txBody>
+          <a:bodyPr lIns="90000" rIns="90000" tIns="45000" bIns="45000" anchor="ctr">
             <a:noAutofit/>
           </a:bodyPr>
           <a:lstStyle>
@@ -2629,98 +2759,6 @@
       </p:sp>
       <p:sp>
         <p:nvSpPr>
-          <p:cNvPr id="1" name="PlaceHolder 2"/>
-          <p:cNvSpPr>
-            <a:spLocks noGrp="1"/>
-          </p:cNvSpPr>
-          <p:nvPr>
-            <p:ph type="ftr" idx="2"/>
-          </p:nvPr>
-        </p:nvSpPr>
-        <p:spPr>
-          <a:xfrm>
-            <a:off x="4038480" y="6356520"/>
-            <a:ext cx="4114440" cy="364680"/>
-          </a:xfrm>
-          <a:prstGeom prst="rect">
-            <a:avLst/>
-          </a:prstGeom>
-          <a:noFill/>
-          <a:ln w="0">
-            <a:noFill/>
-          </a:ln>
-        </p:spPr>
-        <p:txBody>
-          <a:bodyPr anchor="ctr">
-            <a:noAutofit/>
-          </a:bodyPr>
-          <a:lstStyle>
-            <a:lvl1pPr algn="ctr">
-              <a:buNone/>
-              <a:defRPr b="0" lang="en-US" sz="1400" spc="-1" strike="noStrike">
-                <a:latin typeface="Times New Roman"/>
-              </a:defRPr>
-            </a:lvl1pPr>
-          </a:lstStyle>
-          <a:p>
-            <a:pPr algn="ctr">
-              <a:buNone/>
-            </a:pPr>
-            <a:r>
-              <a:rPr b="0" lang="en-US" sz="1400" spc="-1" strike="noStrike">
-                <a:latin typeface="Times New Roman"/>
-              </a:rPr>
-              <a:t>&lt;footer&gt;</a:t>
-            </a:r>
-            <a:endParaRPr b="0" lang="en-US" sz="1400" spc="-1" strike="noStrike">
-              <a:latin typeface="Times New Roman"/>
-            </a:endParaRPr>
-          </a:p>
-        </p:txBody>
-      </p:sp>
-      <p:sp>
-        <p:nvSpPr>
-          <p:cNvPr id="2" name="PlaceHolder 3"/>
-          <p:cNvSpPr>
-            <a:spLocks noGrp="1"/>
-          </p:cNvSpPr>
-          <p:nvPr>
-            <p:ph type="sldNum" idx="3"/>
-          </p:nvPr>
-        </p:nvSpPr>
-        <p:spPr>
-          <a:xfrm>
-            <a:off x="8610480" y="6356520"/>
-            <a:ext cx="2742840" cy="364680"/>
-          </a:xfrm>
-          <a:prstGeom prst="rect">
-            <a:avLst/>
-          </a:prstGeom>
-          <a:noFill/>
-          <a:ln w="0">
-            <a:noFill/>
-          </a:ln>
-        </p:spPr>
-        <p:txBody>
-          <a:bodyPr anchor="ctr">
-            <a:noAutofit/>
-          </a:bodyPr>
-          <a:lstStyle>
-            <a:lvl1pPr>
-              <a:defRPr b="0" lang="en-US" sz="2400" spc="-1" strike="noStrike">
-                <a:latin typeface="Times New Roman"/>
-              </a:defRPr>
-            </a:lvl1pPr>
-          </a:lstStyle>
-          <a:p>
-            <a:endParaRPr b="0" lang="en-US" sz="2400" spc="-1" strike="noStrike">
-              <a:latin typeface="Times New Roman"/>
-            </a:endParaRPr>
-          </a:p>
-        </p:txBody>
-      </p:sp>
-      <p:sp>
-        <p:nvSpPr>
           <p:cNvPr id="3" name="PlaceHolder 4"/>
           <p:cNvSpPr>
             <a:spLocks noGrp="1"/>
@@ -2731,8 +2769,8 @@
         </p:nvSpPr>
         <p:spPr>
           <a:xfrm>
-            <a:off x="609480" y="273600"/>
-            <a:ext cx="10972440" cy="1144800"/>
+            <a:off x="457200" y="205200"/>
+            <a:ext cx="8229240" cy="859320"/>
           </a:xfrm>
           <a:prstGeom prst="rect">
             <a:avLst/>
@@ -2752,7 +2790,7 @@
                 <a:solidFill>
                   <a:srgbClr val="000000"/>
                 </a:solidFill>
-                <a:latin typeface="Calibri"/>
+                <a:latin typeface="Arial"/>
               </a:rPr>
               <a:t>Click to edit the title text format</a:t>
             </a:r>
@@ -2760,7 +2798,7 @@
               <a:solidFill>
                 <a:srgbClr val="000000"/>
               </a:solidFill>
-              <a:latin typeface="Calibri"/>
+              <a:latin typeface="Arial"/>
             </a:endParaRPr>
           </a:p>
         </p:txBody>
@@ -2777,8 +2815,8 @@
         </p:nvSpPr>
         <p:spPr>
           <a:xfrm>
-            <a:off x="609480" y="1604520"/>
-            <a:ext cx="10972440" cy="3977280"/>
+            <a:off x="457200" y="1204560"/>
+            <a:ext cx="8229240" cy="2985480"/>
           </a:xfrm>
           <a:prstGeom prst="rect">
             <a:avLst/>
@@ -2812,7 +2850,7 @@
                 <a:solidFill>
                   <a:srgbClr val="000000"/>
                 </a:solidFill>
-                <a:latin typeface="Calibri"/>
+                <a:latin typeface="Arial"/>
               </a:rPr>
               <a:t>Click to edit the outline text format</a:t>
             </a:r>
@@ -2820,7 +2858,7 @@
               <a:solidFill>
                 <a:srgbClr val="000000"/>
               </a:solidFill>
-              <a:latin typeface="Calibri"/>
+              <a:latin typeface="Arial"/>
             </a:endParaRPr>
           </a:p>
           <a:p>
@@ -2843,7 +2881,7 @@
                 <a:solidFill>
                   <a:srgbClr val="000000"/>
                 </a:solidFill>
-                <a:latin typeface="Calibri"/>
+                <a:latin typeface="Arial"/>
               </a:rPr>
               <a:t>Second Outline Level</a:t>
             </a:r>
@@ -2851,7 +2889,7 @@
               <a:solidFill>
                 <a:srgbClr val="000000"/>
               </a:solidFill>
-              <a:latin typeface="Calibri"/>
+              <a:latin typeface="Arial"/>
             </a:endParaRPr>
           </a:p>
           <a:p>
@@ -2874,7 +2912,7 @@
                 <a:solidFill>
                   <a:srgbClr val="000000"/>
                 </a:solidFill>
-                <a:latin typeface="Calibri"/>
+                <a:latin typeface="Arial"/>
               </a:rPr>
               <a:t>Third Outline Level</a:t>
             </a:r>
@@ -2882,7 +2920,7 @@
               <a:solidFill>
                 <a:srgbClr val="000000"/>
               </a:solidFill>
-              <a:latin typeface="Calibri"/>
+              <a:latin typeface="Arial"/>
             </a:endParaRPr>
           </a:p>
           <a:p>
@@ -2905,7 +2943,7 @@
                 <a:solidFill>
                   <a:srgbClr val="000000"/>
                 </a:solidFill>
-                <a:latin typeface="Calibri"/>
+                <a:latin typeface="Arial"/>
               </a:rPr>
               <a:t>Fourth Outline Level</a:t>
             </a:r>
@@ -2913,7 +2951,7 @@
               <a:solidFill>
                 <a:srgbClr val="000000"/>
               </a:solidFill>
-              <a:latin typeface="Calibri"/>
+              <a:latin typeface="Arial"/>
             </a:endParaRPr>
           </a:p>
           <a:p>
@@ -2936,7 +2974,7 @@
                 <a:solidFill>
                   <a:srgbClr val="000000"/>
                 </a:solidFill>
-                <a:latin typeface="Calibri"/>
+                <a:latin typeface="Arial"/>
               </a:rPr>
               <a:t>Fifth Outline Level</a:t>
             </a:r>
@@ -2944,7 +2982,7 @@
               <a:solidFill>
                 <a:srgbClr val="000000"/>
               </a:solidFill>
-              <a:latin typeface="Calibri"/>
+              <a:latin typeface="Arial"/>
             </a:endParaRPr>
           </a:p>
           <a:p>
@@ -2967,7 +3005,7 @@
                 <a:solidFill>
                   <a:srgbClr val="000000"/>
                 </a:solidFill>
-                <a:latin typeface="Calibri"/>
+                <a:latin typeface="Arial"/>
               </a:rPr>
               <a:t>Sixth Outline Level</a:t>
             </a:r>
@@ -2975,7 +3013,7 @@
               <a:solidFill>
                 <a:srgbClr val="000000"/>
               </a:solidFill>
-              <a:latin typeface="Calibri"/>
+              <a:latin typeface="Arial"/>
             </a:endParaRPr>
           </a:p>
           <a:p>
@@ -2998,7 +3036,7 @@
                 <a:solidFill>
                   <a:srgbClr val="000000"/>
                 </a:solidFill>
-                <a:latin typeface="Calibri"/>
+                <a:latin typeface="Arial"/>
               </a:rPr>
               <a:t>Seventh Outline Level</a:t>
             </a:r>
@@ -3006,7 +3044,7 @@
               <a:solidFill>
                 <a:srgbClr val="000000"/>
               </a:solidFill>
-              <a:latin typeface="Calibri"/>
+              <a:latin typeface="Arial"/>
             </a:endParaRPr>
           </a:p>
         </p:txBody>
@@ -3050,116 +3088,14 @@
       </p:grpSpPr>
       <p:sp>
         <p:nvSpPr>
-          <p:cNvPr id="41" name="Прямоугольник 1"/>
+          <p:cNvPr id="41" name="Скругленный прямоугольник 5"/>
           <p:cNvSpPr/>
           <p:nvPr/>
         </p:nvSpPr>
         <p:spPr>
           <a:xfrm>
-            <a:off x="672480" y="487440"/>
-            <a:ext cx="6350760" cy="1707840"/>
-          </a:xfrm>
-          <a:prstGeom prst="rect">
-            <a:avLst/>
-          </a:prstGeom>
-          <a:noFill/>
-          <a:ln w="0">
-            <a:noFill/>
-          </a:ln>
-        </p:spPr>
-        <p:style>
-          <a:lnRef idx="0"/>
-          <a:fillRef idx="0"/>
-          <a:effectRef idx="0"/>
-          <a:fontRef idx="minor"/>
-        </p:style>
-        <p:txBody>
-          <a:bodyPr lIns="90000" rIns="90000" tIns="45000" bIns="45000" anchor="t">
-            <a:normAutofit/>
-          </a:bodyPr>
-          <a:p>
-            <a:pPr>
-              <a:lnSpc>
-                <a:spcPts val="4201"/>
-              </a:lnSpc>
-              <a:buNone/>
-            </a:pPr>
-            <a:r>
-              <a:rPr b="1" lang="en-US" sz="3000" spc="-1" strike="noStrike">
-                <a:solidFill>
-                  <a:srgbClr val="000000"/>
-                </a:solidFill>
-                <a:latin typeface="Arial Black"/>
-              </a:rPr>
-              <a:t>TITLE</a:t>
-            </a:r>
-            <a:endParaRPr b="0" lang="en-US" sz="3000" spc="-1" strike="noStrike">
-              <a:latin typeface="Arial"/>
-            </a:endParaRPr>
-          </a:p>
-        </p:txBody>
-      </p:sp>
-      <p:sp>
-        <p:nvSpPr>
-          <p:cNvPr id="42" name="Прямоугольник 2"/>
-          <p:cNvSpPr/>
-          <p:nvPr/>
-        </p:nvSpPr>
-        <p:spPr>
-          <a:xfrm>
-            <a:off x="672480" y="2223000"/>
-            <a:ext cx="6028200" cy="3759480"/>
-          </a:xfrm>
-          <a:prstGeom prst="rect">
-            <a:avLst/>
-          </a:prstGeom>
-          <a:noFill/>
-          <a:ln w="0">
-            <a:noFill/>
-          </a:ln>
-        </p:spPr>
-        <p:style>
-          <a:lnRef idx="0"/>
-          <a:fillRef idx="0"/>
-          <a:effectRef idx="0"/>
-          <a:fontRef idx="minor"/>
-        </p:style>
-        <p:txBody>
-          <a:bodyPr lIns="90000" rIns="90000" tIns="45000" bIns="45000" anchor="t">
-            <a:normAutofit/>
-          </a:bodyPr>
-          <a:p>
-            <a:pPr>
-              <a:lnSpc>
-                <a:spcPts val="2200"/>
-              </a:lnSpc>
-              <a:buNone/>
-            </a:pPr>
-            <a:r>
-              <a:rPr b="0" lang="en-US" sz="1600" spc="-1" strike="noStrike">
-                <a:solidFill>
-                  <a:srgbClr val="262626"/>
-                </a:solidFill>
-                <a:latin typeface="Arial"/>
-              </a:rPr>
-              <a:t>TEXT</a:t>
-            </a:r>
-            <a:endParaRPr b="0" lang="en-US" sz="1600" spc="-1" strike="noStrike">
-              <a:latin typeface="Arial"/>
-            </a:endParaRPr>
-          </a:p>
-        </p:txBody>
-      </p:sp>
-      <p:sp>
-        <p:nvSpPr>
-          <p:cNvPr id="43" name="Скругленный прямоугольник 5"/>
-          <p:cNvSpPr/>
-          <p:nvPr/>
-        </p:nvSpPr>
-        <p:spPr>
-          <a:xfrm>
-            <a:off x="7270200" y="0"/>
-            <a:ext cx="4352400" cy="6857640"/>
+            <a:off x="5451840" y="360"/>
+            <a:ext cx="3264120" cy="5147280"/>
           </a:xfrm>
           <a:prstGeom prst="roundRect">
             <a:avLst>
@@ -3190,23 +3126,93 @@
       </p:sp>
       <p:sp>
         <p:nvSpPr>
-          <p:cNvPr id="44" name="Скругленный прямоугольник 6"/>
+          <p:cNvPr id="42" name="Прямая соединительная линия 27"/>
           <p:cNvSpPr/>
           <p:nvPr/>
         </p:nvSpPr>
         <p:spPr>
           <a:xfrm>
-            <a:off x="7428960" y="0"/>
-            <a:ext cx="5200200" cy="6857640"/>
+            <a:off x="720" y="163080"/>
+            <a:ext cx="1251720" cy="360"/>
+          </a:xfrm>
+          <a:prstGeom prst="line">
+            <a:avLst/>
+          </a:prstGeom>
+          <a:ln cap="rnd" w="28575">
+            <a:solidFill>
+              <a:srgbClr val="a7a7ff"/>
+            </a:solidFill>
+            <a:prstDash val="dash"/>
+            <a:round/>
+          </a:ln>
+        </p:spPr>
+        <p:style>
+          <a:lnRef idx="1">
+            <a:schemeClr val="accent1"/>
+          </a:lnRef>
+          <a:fillRef idx="0">
+            <a:schemeClr val="accent1"/>
+          </a:fillRef>
+          <a:effectRef idx="0">
+            <a:schemeClr val="accent1"/>
+          </a:effectRef>
+          <a:fontRef idx="minor"/>
+        </p:style>
+      </p:sp>
+      <p:sp>
+        <p:nvSpPr>
+          <p:cNvPr id="43" name="Прямая соединительная линия 29"/>
+          <p:cNvSpPr/>
+          <p:nvPr/>
+        </p:nvSpPr>
+        <p:spPr>
+          <a:xfrm>
+            <a:off x="1309680" y="240480"/>
+            <a:ext cx="360" cy="178200"/>
+          </a:xfrm>
+          <a:prstGeom prst="line">
+            <a:avLst/>
+          </a:prstGeom>
+          <a:ln cap="rnd" w="28575">
+            <a:solidFill>
+              <a:srgbClr val="a7a7ff"/>
+            </a:solidFill>
+            <a:prstDash val="dash"/>
+            <a:round/>
+          </a:ln>
+        </p:spPr>
+        <p:style>
+          <a:lnRef idx="1">
+            <a:schemeClr val="accent1"/>
+          </a:lnRef>
+          <a:fillRef idx="0">
+            <a:schemeClr val="accent1"/>
+          </a:fillRef>
+          <a:effectRef idx="0">
+            <a:schemeClr val="accent1"/>
+          </a:effectRef>
+          <a:fontRef idx="minor"/>
+        </p:style>
+      </p:sp>
+      <p:sp>
+        <p:nvSpPr>
+          <p:cNvPr id="44" name="Прямоугольник со скругленными углами 3"/>
+          <p:cNvSpPr/>
+          <p:nvPr/>
+        </p:nvSpPr>
+        <p:spPr>
+          <a:xfrm>
+            <a:off x="5568840" y="0"/>
+            <a:ext cx="3904200" cy="5147640"/>
           </a:xfrm>
           <a:prstGeom prst="roundRect">
             <a:avLst>
-              <a:gd name="adj" fmla="val 9000"/>
+              <a:gd name="adj" fmla="val 9762"/>
             </a:avLst>
           </a:prstGeom>
           <a:solidFill>
             <a:schemeClr val="bg1">
-              <a:lumMod val="95000"/>
+              <a:lumMod val="85000"/>
             </a:schemeClr>
           </a:solidFill>
           <a:ln>
@@ -3241,9 +3247,10 @@
             <a:r>
               <a:rPr b="0" lang="en-US" sz="1800" spc="-1" strike="noStrike">
                 <a:solidFill>
-                  <a:srgbClr val="ffffff"/>
+                  <a:srgbClr val="000000"/>
                 </a:solidFill>
                 <a:latin typeface="Calibri"/>
+                <a:ea typeface="DejaVu Sans"/>
               </a:rPr>
               <a:t>PIC</a:t>
             </a:r>
@@ -3255,73 +3262,107 @@
       </p:sp>
       <p:sp>
         <p:nvSpPr>
-          <p:cNvPr id="45" name="Прямая соединительная линия 27"/>
+          <p:cNvPr id="45" name="TextBox 6"/>
           <p:cNvSpPr/>
           <p:nvPr/>
         </p:nvSpPr>
         <p:spPr>
           <a:xfrm>
-            <a:off x="0" y="218160"/>
-            <a:ext cx="1668960" cy="360"/>
-          </a:xfrm>
-          <a:prstGeom prst="line">
-            <a:avLst/>
-          </a:prstGeom>
-          <a:ln cap="rnd" w="28575">
-            <a:solidFill>
-              <a:srgbClr val="a7a7ff"/>
-            </a:solidFill>
-            <a:prstDash val="dash"/>
-            <a:round/>
+            <a:off x="509400" y="1240200"/>
+            <a:ext cx="4550040" cy="3134520"/>
+          </a:xfrm>
+          <a:prstGeom prst="rect">
+            <a:avLst/>
+          </a:prstGeom>
+          <a:noFill/>
+          <a:ln w="0">
+            <a:noFill/>
           </a:ln>
         </p:spPr>
         <p:style>
-          <a:lnRef idx="1">
-            <a:schemeClr val="accent1"/>
-          </a:lnRef>
-          <a:fillRef idx="0">
-            <a:schemeClr val="accent1"/>
-          </a:fillRef>
-          <a:effectRef idx="0">
-            <a:schemeClr val="accent1"/>
-          </a:effectRef>
+          <a:lnRef idx="0"/>
+          <a:fillRef idx="0"/>
+          <a:effectRef idx="0"/>
           <a:fontRef idx="minor"/>
         </p:style>
-      </p:sp>
-      <p:sp>
-        <p:nvSpPr>
-          <p:cNvPr id="46" name="Прямая соединительная линия 29"/>
+        <p:txBody>
+          <a:bodyPr lIns="90000" rIns="90000" tIns="45000" bIns="45000" anchor="t">
+            <a:noAutofit/>
+          </a:bodyPr>
+          <a:p>
+            <a:pPr>
+              <a:lnSpc>
+                <a:spcPct val="100000"/>
+              </a:lnSpc>
+              <a:buNone/>
+            </a:pPr>
+            <a:r>
+              <a:rPr b="0" lang="en-US" sz="1200" spc="-1" strike="noStrike">
+                <a:solidFill>
+                  <a:srgbClr val="000000"/>
+                </a:solidFill>
+                <a:latin typeface="Arial"/>
+                <a:ea typeface="DejaVu Sans"/>
+              </a:rPr>
+              <a:t>TEXT</a:t>
+            </a:r>
+            <a:endParaRPr b="0" lang="en-US" sz="1200" spc="-1" strike="noStrike">
+              <a:latin typeface="Arial"/>
+            </a:endParaRPr>
+          </a:p>
+        </p:txBody>
+      </p:sp>
+      <p:sp>
+        <p:nvSpPr>
+          <p:cNvPr id="46" name="TextBox 10"/>
           <p:cNvSpPr/>
           <p:nvPr/>
         </p:nvSpPr>
         <p:spPr>
           <a:xfrm>
-            <a:off x="1746720" y="321480"/>
-            <a:ext cx="360" cy="237600"/>
-          </a:xfrm>
-          <a:prstGeom prst="line">
-            <a:avLst/>
-          </a:prstGeom>
-          <a:ln cap="rnd" w="28575">
-            <a:solidFill>
-              <a:srgbClr val="a7a7ff"/>
-            </a:solidFill>
-            <a:prstDash val="dash"/>
-            <a:round/>
+            <a:off x="505800" y="398160"/>
+            <a:ext cx="4549680" cy="835920"/>
+          </a:xfrm>
+          <a:prstGeom prst="rect">
+            <a:avLst/>
+          </a:prstGeom>
+          <a:noFill/>
+          <a:ln w="0">
+            <a:noFill/>
           </a:ln>
         </p:spPr>
         <p:style>
-          <a:lnRef idx="1">
-            <a:schemeClr val="accent1"/>
-          </a:lnRef>
-          <a:fillRef idx="0">
-            <a:schemeClr val="accent1"/>
-          </a:fillRef>
-          <a:effectRef idx="0">
-            <a:schemeClr val="accent1"/>
-          </a:effectRef>
+          <a:lnRef idx="0"/>
+          <a:fillRef idx="0"/>
+          <a:effectRef idx="0"/>
           <a:fontRef idx="minor"/>
         </p:style>
+        <p:txBody>
+          <a:bodyPr lIns="90000" rIns="90000" tIns="45000" bIns="45000" anchor="t">
+            <a:noAutofit/>
+          </a:bodyPr>
+          <a:p>
+            <a:pPr>
+              <a:lnSpc>
+                <a:spcPct val="100000"/>
+              </a:lnSpc>
+              <a:buNone/>
+            </a:pPr>
+            <a:r>
+              <a:rPr b="1" lang="en-US" sz="2100" spc="-1" strike="noStrike">
+                <a:solidFill>
+                  <a:srgbClr val="262626"/>
+                </a:solidFill>
+                <a:latin typeface="Arial Black"/>
+                <a:ea typeface="DejaVu Sans"/>
+              </a:rPr>
+              <a:t>TITLE</a:t>
+            </a:r>
+            <a:endParaRPr b="0" lang="en-US" sz="2100" spc="-1" strike="noStrike">
+              <a:latin typeface="Arial"/>
+            </a:endParaRPr>
+          </a:p>
+        </p:txBody>
       </p:sp>
     </p:spTree>
   </p:cSld>
